--- a/Français/3. La modélisation/1.Techniques d'établissement relations.pptx
+++ b/Français/3. La modélisation/1.Techniques d'établissement relations.pptx
@@ -5,17 +5,16 @@
     <p:sldMasterId id="2147483648" r:id="rId1"/>
   </p:sldMasterIdLst>
   <p:notesMasterIdLst>
-    <p:notesMasterId r:id="rId10"/>
+    <p:notesMasterId r:id="rId9"/>
   </p:notesMasterIdLst>
   <p:sldIdLst>
     <p:sldId id="256" r:id="rId2"/>
-    <p:sldId id="259" r:id="rId3"/>
-    <p:sldId id="260" r:id="rId4"/>
-    <p:sldId id="261" r:id="rId5"/>
-    <p:sldId id="264" r:id="rId6"/>
-    <p:sldId id="263" r:id="rId7"/>
-    <p:sldId id="265" r:id="rId8"/>
-    <p:sldId id="258" r:id="rId9"/>
+    <p:sldId id="260" r:id="rId3"/>
+    <p:sldId id="261" r:id="rId4"/>
+    <p:sldId id="264" r:id="rId5"/>
+    <p:sldId id="263" r:id="rId6"/>
+    <p:sldId id="265" r:id="rId7"/>
+    <p:sldId id="258" r:id="rId8"/>
   </p:sldIdLst>
   <p:sldSz cx="12192000" cy="6858000"/>
   <p:notesSz cx="6858000" cy="9144000"/>
@@ -204,7 +203,7 @@
           <a:p>
             <a:fld id="{056BA3B8-9F76-4D81-B71D-76CB85363062}" type="datetimeFigureOut">
               <a:rPr lang="en-US" smtClean="0"/>
-              <a:t>2/26/2025</a:t>
+              <a:t>3/5/2025</a:t>
             </a:fld>
             <a:endParaRPr lang="en-US"/>
           </a:p>
@@ -603,7 +602,7 @@
           <a:p>
             <a:fld id="{6F01DA4D-20EA-48D2-973C-0311EC3005D6}" type="datetimeFigureOut">
               <a:rPr lang="en-US" smtClean="0"/>
-              <a:t>2/26/2025</a:t>
+              <a:t>3/5/2025</a:t>
             </a:fld>
             <a:endParaRPr lang="en-US"/>
           </a:p>
@@ -773,7 +772,7 @@
           <a:p>
             <a:fld id="{6F01DA4D-20EA-48D2-973C-0311EC3005D6}" type="datetimeFigureOut">
               <a:rPr lang="en-US" smtClean="0"/>
-              <a:t>2/26/2025</a:t>
+              <a:t>3/5/2025</a:t>
             </a:fld>
             <a:endParaRPr lang="en-US"/>
           </a:p>
@@ -953,7 +952,7 @@
           <a:p>
             <a:fld id="{6F01DA4D-20EA-48D2-973C-0311EC3005D6}" type="datetimeFigureOut">
               <a:rPr lang="en-US" smtClean="0"/>
-              <a:t>2/26/2025</a:t>
+              <a:t>3/5/2025</a:t>
             </a:fld>
             <a:endParaRPr lang="en-US"/>
           </a:p>
@@ -1123,7 +1122,7 @@
           <a:p>
             <a:fld id="{6F01DA4D-20EA-48D2-973C-0311EC3005D6}" type="datetimeFigureOut">
               <a:rPr lang="en-US" smtClean="0"/>
-              <a:t>2/26/2025</a:t>
+              <a:t>3/5/2025</a:t>
             </a:fld>
             <a:endParaRPr lang="en-US"/>
           </a:p>
@@ -1369,7 +1368,7 @@
           <a:p>
             <a:fld id="{6F01DA4D-20EA-48D2-973C-0311EC3005D6}" type="datetimeFigureOut">
               <a:rPr lang="en-US" smtClean="0"/>
-              <a:t>2/26/2025</a:t>
+              <a:t>3/5/2025</a:t>
             </a:fld>
             <a:endParaRPr lang="en-US"/>
           </a:p>
@@ -1601,7 +1600,7 @@
           <a:p>
             <a:fld id="{6F01DA4D-20EA-48D2-973C-0311EC3005D6}" type="datetimeFigureOut">
               <a:rPr lang="en-US" smtClean="0"/>
-              <a:t>2/26/2025</a:t>
+              <a:t>3/5/2025</a:t>
             </a:fld>
             <a:endParaRPr lang="en-US"/>
           </a:p>
@@ -1968,7 +1967,7 @@
           <a:p>
             <a:fld id="{6F01DA4D-20EA-48D2-973C-0311EC3005D6}" type="datetimeFigureOut">
               <a:rPr lang="en-US" smtClean="0"/>
-              <a:t>2/26/2025</a:t>
+              <a:t>3/5/2025</a:t>
             </a:fld>
             <a:endParaRPr lang="en-US"/>
           </a:p>
@@ -2086,7 +2085,7 @@
           <a:p>
             <a:fld id="{6F01DA4D-20EA-48D2-973C-0311EC3005D6}" type="datetimeFigureOut">
               <a:rPr lang="en-US" smtClean="0"/>
-              <a:t>2/26/2025</a:t>
+              <a:t>3/5/2025</a:t>
             </a:fld>
             <a:endParaRPr lang="en-US"/>
           </a:p>
@@ -2181,7 +2180,7 @@
           <a:p>
             <a:fld id="{6F01DA4D-20EA-48D2-973C-0311EC3005D6}" type="datetimeFigureOut">
               <a:rPr lang="en-US" smtClean="0"/>
-              <a:t>2/26/2025</a:t>
+              <a:t>3/5/2025</a:t>
             </a:fld>
             <a:endParaRPr lang="en-US"/>
           </a:p>
@@ -2458,7 +2457,7 @@
           <a:p>
             <a:fld id="{6F01DA4D-20EA-48D2-973C-0311EC3005D6}" type="datetimeFigureOut">
               <a:rPr lang="en-US" smtClean="0"/>
-              <a:t>2/26/2025</a:t>
+              <a:t>3/5/2025</a:t>
             </a:fld>
             <a:endParaRPr lang="en-US"/>
           </a:p>
@@ -2711,7 +2710,7 @@
           <a:p>
             <a:fld id="{6F01DA4D-20EA-48D2-973C-0311EC3005D6}" type="datetimeFigureOut">
               <a:rPr lang="en-US" smtClean="0"/>
-              <a:t>2/26/2025</a:t>
+              <a:t>3/5/2025</a:t>
             </a:fld>
             <a:endParaRPr lang="en-US"/>
           </a:p>
@@ -2924,7 +2923,7 @@
           <a:p>
             <a:fld id="{6F01DA4D-20EA-48D2-973C-0311EC3005D6}" type="datetimeFigureOut">
               <a:rPr lang="en-US" smtClean="0"/>
-              <a:t>2/26/2025</a:t>
+              <a:t>3/5/2025</a:t>
             </a:fld>
             <a:endParaRPr lang="en-US"/>
           </a:p>
@@ -3488,7 +3487,7 @@
         <p:spPr>
           <a:xfrm>
             <a:off x="288758" y="275007"/>
-            <a:ext cx="2613023" cy="400110"/>
+            <a:ext cx="2870851" cy="400110"/>
           </a:xfrm>
           <a:prstGeom prst="rect">
             <a:avLst/>
@@ -3502,207 +3501,15 @@
           <a:lstStyle/>
           <a:p>
             <a:r>
-              <a:rPr lang="fr-FR" sz="2000" dirty="0" smtClean="0">
+              <a:rPr lang="fr-FR" sz="2000" b="1" dirty="0" smtClean="0">
                 <a:latin typeface="Segoe UI" panose="020B0502040204020203" pitchFamily="34" charset="0"/>
                 <a:cs typeface="Segoe UI" panose="020B0502040204020203" pitchFamily="34" charset="0"/>
               </a:rPr>
-              <a:t>Manage Relationship</a:t>
-            </a:r>
-            <a:endParaRPr lang="en-US" sz="2000" dirty="0">
+              <a:t>Organiser les relations</a:t>
+            </a:r>
+            <a:endParaRPr lang="en-US" sz="2000" b="1" dirty="0">
               <a:latin typeface="Segoe UI" panose="020B0502040204020203" pitchFamily="34" charset="0"/>
               <a:cs typeface="Segoe UI" panose="020B0502040204020203" pitchFamily="34" charset="0"/>
-            </a:endParaRPr>
-          </a:p>
-        </p:txBody>
-      </p:sp>
-      <p:sp>
-        <p:nvSpPr>
-          <p:cNvPr id="3" name="Rectangle 2"/>
-          <p:cNvSpPr/>
-          <p:nvPr/>
-        </p:nvSpPr>
-        <p:spPr>
-          <a:xfrm>
-            <a:off x="346051" y="878274"/>
-            <a:ext cx="7979801" cy="400110"/>
-          </a:xfrm>
-          <a:prstGeom prst="rect">
-            <a:avLst/>
-          </a:prstGeom>
-        </p:spPr>
-        <p:txBody>
-          <a:bodyPr wrap="square">
-            <a:spAutoFit/>
-          </a:bodyPr>
-          <a:lstStyle/>
-          <a:p>
-            <a:r>
-              <a:rPr lang="fr-FR" sz="2000" b="1" dirty="0"/>
-              <a:t>Note : </a:t>
-            </a:r>
-            <a:r>
-              <a:rPr lang="fr-FR" sz="2000" dirty="0"/>
-              <a:t>Ce laboratoire utilise le fichier </a:t>
-            </a:r>
-            <a:r>
-              <a:rPr lang="fr-FR" sz="2000" b="1" dirty="0"/>
-              <a:t>lab1.xlsx</a:t>
-            </a:r>
-            <a:r>
-              <a:rPr lang="fr-FR" sz="2000" dirty="0"/>
-              <a:t> dans </a:t>
-            </a:r>
-            <a:r>
-              <a:rPr lang="fr-FR" sz="2000" b="1" dirty="0"/>
-              <a:t>Sales Model</a:t>
-            </a:r>
-            <a:endParaRPr lang="en-US" sz="2000" b="1" dirty="0"/>
-          </a:p>
-        </p:txBody>
-      </p:sp>
-    </p:spTree>
-    <p:extLst>
-      <p:ext uri="{BB962C8B-B14F-4D97-AF65-F5344CB8AC3E}">
-        <p14:creationId xmlns:p14="http://schemas.microsoft.com/office/powerpoint/2010/main" val="4276730230"/>
-      </p:ext>
-    </p:extLst>
-  </p:cSld>
-  <p:clrMapOvr>
-    <a:masterClrMapping/>
-  </p:clrMapOvr>
-</p:sld>
-</file>
-
-<file path=ppt/slides/slide3.xml><?xml version="1.0" encoding="utf-8"?>
-<p:sld xmlns:a="http://schemas.openxmlformats.org/drawingml/2006/main" xmlns:r="http://schemas.openxmlformats.org/officeDocument/2006/relationships" xmlns:p="http://schemas.openxmlformats.org/presentationml/2006/main">
-  <p:cSld>
-    <p:spTree>
-      <p:nvGrpSpPr>
-        <p:cNvPr id="1" name=""/>
-        <p:cNvGrpSpPr/>
-        <p:nvPr/>
-      </p:nvGrpSpPr>
-      <p:grpSpPr>
-        <a:xfrm>
-          <a:off x="0" y="0"/>
-          <a:ext cx="0" cy="0"/>
-          <a:chOff x="0" y="0"/>
-          <a:chExt cx="0" cy="0"/>
-        </a:xfrm>
-      </p:grpSpPr>
-      <p:sp>
-        <p:nvSpPr>
-          <p:cNvPr id="2" name="TextBox 1"/>
-          <p:cNvSpPr txBox="1"/>
-          <p:nvPr/>
-        </p:nvSpPr>
-        <p:spPr>
-          <a:xfrm>
-            <a:off x="288758" y="275007"/>
-            <a:ext cx="2613023" cy="400110"/>
-          </a:xfrm>
-          <a:prstGeom prst="rect">
-            <a:avLst/>
-          </a:prstGeom>
-          <a:noFill/>
-        </p:spPr>
-        <p:txBody>
-          <a:bodyPr wrap="none" rtlCol="0">
-            <a:spAutoFit/>
-          </a:bodyPr>
-          <a:lstStyle/>
-          <a:p>
-            <a:r>
-              <a:rPr lang="fr-FR" sz="2000" dirty="0" smtClean="0">
-                <a:latin typeface="Segoe UI" panose="020B0502040204020203" pitchFamily="34" charset="0"/>
-                <a:cs typeface="Segoe UI" panose="020B0502040204020203" pitchFamily="34" charset="0"/>
-              </a:rPr>
-              <a:t>Manage Relationship</a:t>
-            </a:r>
-            <a:endParaRPr lang="en-US" sz="2000" dirty="0">
-              <a:latin typeface="Segoe UI" panose="020B0502040204020203" pitchFamily="34" charset="0"/>
-              <a:cs typeface="Segoe UI" panose="020B0502040204020203" pitchFamily="34" charset="0"/>
-            </a:endParaRPr>
-          </a:p>
-        </p:txBody>
-      </p:sp>
-      <p:sp>
-        <p:nvSpPr>
-          <p:cNvPr id="9" name="Rectangle 8"/>
-          <p:cNvSpPr/>
-          <p:nvPr/>
-        </p:nvSpPr>
-        <p:spPr>
-          <a:xfrm>
-            <a:off x="363768" y="888563"/>
-            <a:ext cx="9842977" cy="388696"/>
-          </a:xfrm>
-          <a:prstGeom prst="rect">
-            <a:avLst/>
-          </a:prstGeom>
-        </p:spPr>
-        <p:txBody>
-          <a:bodyPr wrap="square">
-            <a:spAutoFit/>
-          </a:bodyPr>
-          <a:lstStyle/>
-          <a:p>
-            <a:pPr>
-              <a:lnSpc>
-                <a:spcPct val="107000"/>
-              </a:lnSpc>
-              <a:spcBef>
-                <a:spcPts val="1200"/>
-              </a:spcBef>
-              <a:spcAft>
-                <a:spcPts val="0"/>
-              </a:spcAft>
-            </a:pPr>
-            <a:r>
-              <a:rPr lang="en-US" b="1" kern="0" dirty="0">
-                <a:latin typeface="Segoe UI" panose="020B0502040204020203" pitchFamily="34" charset="0"/>
-                <a:ea typeface="Times New Roman" panose="02020603050405020304" pitchFamily="18" charset="0"/>
-                <a:cs typeface="Times New Roman" panose="02020603050405020304" pitchFamily="18" charset="0"/>
-              </a:rPr>
-              <a:t>Note: </a:t>
-            </a:r>
-            <a:r>
-              <a:rPr lang="en-US" kern="0" dirty="0">
-                <a:latin typeface="Segoe UI" panose="020B0502040204020203" pitchFamily="34" charset="0"/>
-                <a:ea typeface="Times New Roman" panose="02020603050405020304" pitchFamily="18" charset="0"/>
-                <a:cs typeface="Times New Roman" panose="02020603050405020304" pitchFamily="18" charset="0"/>
-              </a:rPr>
-              <a:t>This Lab uses </a:t>
-            </a:r>
-            <a:r>
-              <a:rPr lang="en-US" b="1" kern="0" dirty="0" smtClean="0">
-                <a:latin typeface="Segoe UI" panose="020B0502040204020203" pitchFamily="34" charset="0"/>
-                <a:ea typeface="Times New Roman" panose="02020603050405020304" pitchFamily="18" charset="0"/>
-                <a:cs typeface="Times New Roman" panose="02020603050405020304" pitchFamily="18" charset="0"/>
-              </a:rPr>
-              <a:t>lab1.xlsx</a:t>
-            </a:r>
-            <a:r>
-              <a:rPr lang="en-US" kern="0" dirty="0" smtClean="0">
-                <a:latin typeface="Segoe UI" panose="020B0502040204020203" pitchFamily="34" charset="0"/>
-                <a:ea typeface="Times New Roman" panose="02020603050405020304" pitchFamily="18" charset="0"/>
-                <a:cs typeface="Times New Roman" panose="02020603050405020304" pitchFamily="18" charset="0"/>
-              </a:rPr>
-              <a:t> in </a:t>
-            </a:r>
-            <a:r>
-              <a:rPr lang="en-US" b="1" kern="0" dirty="0" smtClean="0">
-                <a:latin typeface="Segoe UI" panose="020B0502040204020203" pitchFamily="34" charset="0"/>
-                <a:ea typeface="Times New Roman" panose="02020603050405020304" pitchFamily="18" charset="0"/>
-                <a:cs typeface="Times New Roman" panose="02020603050405020304" pitchFamily="18" charset="0"/>
-              </a:rPr>
-              <a:t>Sales Model</a:t>
-            </a:r>
-            <a:endParaRPr lang="en-US" sz="2800" b="1" kern="0" dirty="0">
-              <a:effectLst/>
-              <a:latin typeface="Segoe UI" panose="020B0502040204020203" pitchFamily="34" charset="0"/>
-              <a:ea typeface="Times New Roman" panose="02020603050405020304" pitchFamily="18" charset="0"/>
-              <a:cs typeface="Times New Roman" panose="02020603050405020304" pitchFamily="18" charset="0"/>
             </a:endParaRPr>
           </a:p>
         </p:txBody>
@@ -3910,21 +3717,7 @@
                 <a:latin typeface="Segoe UI" panose="020B0502040204020203" pitchFamily="34" charset="0"/>
                 <a:cs typeface="Segoe UI" panose="020B0502040204020203" pitchFamily="34" charset="0"/>
               </a:rPr>
-              <a:t>] </a:t>
-            </a:r>
-            <a:r>
-              <a:rPr kumimoji="0" lang="en-US" altLang="en-US" b="0" i="0" u="none" strike="noStrike" cap="none" normalizeH="0" baseline="0" dirty="0" smtClean="0">
-                <a:ln>
-                  <a:noFill/>
-                </a:ln>
-                <a:solidFill>
-                  <a:schemeClr val="tx1"/>
-                </a:solidFill>
-                <a:effectLst/>
-                <a:latin typeface="Segoe UI" panose="020B0502040204020203" pitchFamily="34" charset="0"/>
-                <a:cs typeface="Segoe UI" panose="020B0502040204020203" pitchFamily="34" charset="0"/>
-              </a:rPr>
-              <a:t>(</a:t>
+              <a:t>] (</a:t>
             </a:r>
             <a:r>
               <a:rPr kumimoji="0" lang="en-US" altLang="en-US" b="0" i="0" u="none" strike="noStrike" cap="none" normalizeH="0" baseline="0" dirty="0" err="1" smtClean="0">
@@ -4122,21 +3915,7 @@
                 <a:latin typeface="Segoe UI" panose="020B0502040204020203" pitchFamily="34" charset="0"/>
                 <a:cs typeface="Segoe UI" panose="020B0502040204020203" pitchFamily="34" charset="0"/>
               </a:rPr>
-              <a:t>] </a:t>
-            </a:r>
-            <a:r>
-              <a:rPr kumimoji="0" lang="en-US" altLang="en-US" b="0" i="0" u="none" strike="noStrike" cap="none" normalizeH="0" baseline="0" dirty="0" smtClean="0">
-                <a:ln>
-                  <a:noFill/>
-                </a:ln>
-                <a:solidFill>
-                  <a:schemeClr val="tx1"/>
-                </a:solidFill>
-                <a:effectLst/>
-                <a:latin typeface="Segoe UI" panose="020B0502040204020203" pitchFamily="34" charset="0"/>
-                <a:cs typeface="Segoe UI" panose="020B0502040204020203" pitchFamily="34" charset="0"/>
-              </a:rPr>
-              <a:t>(</a:t>
+              <a:t>] (</a:t>
             </a:r>
             <a:r>
               <a:rPr lang="en-US" altLang="en-US" dirty="0" err="1" smtClean="0">
@@ -4242,6 +4021,55 @@
               <a:t>et créez les relations suivantes :</a:t>
             </a:r>
             <a:endParaRPr lang="en-US" sz="2000" dirty="0"/>
+          </a:p>
+        </p:txBody>
+      </p:sp>
+      <p:sp>
+        <p:nvSpPr>
+          <p:cNvPr id="7" name="Rectangle 6"/>
+          <p:cNvSpPr/>
+          <p:nvPr/>
+        </p:nvSpPr>
+        <p:spPr>
+          <a:xfrm>
+            <a:off x="346051" y="878274"/>
+            <a:ext cx="7979801" cy="400110"/>
+          </a:xfrm>
+          <a:prstGeom prst="rect">
+            <a:avLst/>
+          </a:prstGeom>
+        </p:spPr>
+        <p:txBody>
+          <a:bodyPr wrap="square">
+            <a:spAutoFit/>
+          </a:bodyPr>
+          <a:lstStyle/>
+          <a:p>
+            <a:r>
+              <a:rPr lang="fr-FR" sz="2000" b="1" dirty="0"/>
+              <a:t>Note : </a:t>
+            </a:r>
+            <a:r>
+              <a:rPr lang="fr-FR" sz="2000" dirty="0" smtClean="0"/>
+              <a:t>Cet atelier </a:t>
+            </a:r>
+            <a:r>
+              <a:rPr lang="fr-FR" sz="2000" dirty="0"/>
+              <a:t>utilise le fichier </a:t>
+            </a:r>
+            <a:r>
+              <a:rPr lang="fr-FR" sz="2000" b="1" dirty="0"/>
+              <a:t>lab1.xlsx</a:t>
+            </a:r>
+            <a:r>
+              <a:rPr lang="fr-FR" sz="2000" dirty="0"/>
+              <a:t> dans </a:t>
+            </a:r>
+            <a:r>
+              <a:rPr lang="fr-FR" sz="2000" b="1" dirty="0"/>
+              <a:t>Sales Model</a:t>
+            </a:r>
+            <a:endParaRPr lang="en-US" sz="2000" b="1" dirty="0"/>
           </a:p>
         </p:txBody>
       </p:sp>
@@ -4258,7 +4086,7 @@
 </p:sld>
 </file>
 
-<file path=ppt/slides/slide4.xml><?xml version="1.0" encoding="utf-8"?>
+<file path=ppt/slides/slide3.xml><?xml version="1.0" encoding="utf-8"?>
 <p:sld xmlns:a="http://schemas.openxmlformats.org/drawingml/2006/main" xmlns:r="http://schemas.openxmlformats.org/officeDocument/2006/relationships" xmlns:p="http://schemas.openxmlformats.org/presentationml/2006/main">
   <p:cSld>
     <p:spTree>
@@ -4284,7 +4112,7 @@
         <p:spPr>
           <a:xfrm>
             <a:off x="288758" y="275007"/>
-            <a:ext cx="2613023" cy="400110"/>
+            <a:ext cx="2870851" cy="400110"/>
           </a:xfrm>
           <a:prstGeom prst="rect">
             <a:avLst/>
@@ -4298,13 +4126,13 @@
           <a:lstStyle/>
           <a:p>
             <a:r>
-              <a:rPr lang="fr-FR" sz="2000" dirty="0" smtClean="0">
+              <a:rPr lang="fr-FR" sz="2000" b="1" dirty="0" smtClean="0">
                 <a:latin typeface="Segoe UI" panose="020B0502040204020203" pitchFamily="34" charset="0"/>
                 <a:cs typeface="Segoe UI" panose="020B0502040204020203" pitchFamily="34" charset="0"/>
               </a:rPr>
-              <a:t>Manage Relationship</a:t>
-            </a:r>
-            <a:endParaRPr lang="en-US" sz="2000" dirty="0">
+              <a:t>Organiser les relations</a:t>
+            </a:r>
+            <a:endParaRPr lang="en-US" sz="2000" b="1" dirty="0">
               <a:latin typeface="Segoe UI" panose="020B0502040204020203" pitchFamily="34" charset="0"/>
               <a:cs typeface="Segoe UI" panose="020B0502040204020203" pitchFamily="34" charset="0"/>
             </a:endParaRPr>
@@ -4396,17 +4224,6 @@
               </a:rPr>
               <a:t>:</a:t>
             </a:r>
-            <a:endParaRPr kumimoji="0" lang="fr-FR" altLang="en-US" sz="2000" b="0" i="0" u="none" strike="noStrike" cap="none" normalizeH="0" baseline="0" dirty="0" smtClean="0">
-              <a:ln>
-                <a:noFill/>
-              </a:ln>
-              <a:solidFill>
-                <a:schemeClr val="tx1"/>
-              </a:solidFill>
-              <a:effectLst/>
-              <a:latin typeface="Segoe UI" panose="020B0502040204020203" pitchFamily="34" charset="0"/>
-              <a:cs typeface="Segoe UI" panose="020B0502040204020203" pitchFamily="34" charset="0"/>
-            </a:endParaRPr>
           </a:p>
         </p:txBody>
       </p:sp>
@@ -4682,7 +4499,7 @@
 </p:sld>
 </file>
 
-<file path=ppt/slides/slide5.xml><?xml version="1.0" encoding="utf-8"?>
+<file path=ppt/slides/slide4.xml><?xml version="1.0" encoding="utf-8"?>
 <p:sld xmlns:a="http://schemas.openxmlformats.org/drawingml/2006/main" xmlns:r="http://schemas.openxmlformats.org/officeDocument/2006/relationships" xmlns:p="http://schemas.openxmlformats.org/presentationml/2006/main">
   <p:cSld>
     <p:spTree>
@@ -4708,7 +4525,7 @@
         <p:spPr>
           <a:xfrm>
             <a:off x="288758" y="275007"/>
-            <a:ext cx="2613023" cy="400110"/>
+            <a:ext cx="2870851" cy="400110"/>
           </a:xfrm>
           <a:prstGeom prst="rect">
             <a:avLst/>
@@ -4722,13 +4539,13 @@
           <a:lstStyle/>
           <a:p>
             <a:r>
-              <a:rPr lang="fr-FR" sz="2000" dirty="0" smtClean="0">
+              <a:rPr lang="fr-FR" sz="2000" b="1" dirty="0" smtClean="0">
                 <a:latin typeface="Segoe UI" panose="020B0502040204020203" pitchFamily="34" charset="0"/>
                 <a:cs typeface="Segoe UI" panose="020B0502040204020203" pitchFamily="34" charset="0"/>
               </a:rPr>
-              <a:t>Manage Relationship</a:t>
-            </a:r>
-            <a:endParaRPr lang="en-US" sz="2000" dirty="0">
+              <a:t>Organiser les relations</a:t>
+            </a:r>
+            <a:endParaRPr lang="en-US" sz="2000" b="1" dirty="0">
               <a:latin typeface="Segoe UI" panose="020B0502040204020203" pitchFamily="34" charset="0"/>
               <a:cs typeface="Segoe UI" panose="020B0502040204020203" pitchFamily="34" charset="0"/>
             </a:endParaRPr>
@@ -4848,15 +4665,15 @@
             </a:r>
             <a:r>
               <a:rPr lang="fr-FR" sz="2000" dirty="0"/>
-              <a:t> (</a:t>
-            </a:r>
-            <a:r>
-              <a:rPr lang="fr-FR" sz="2000" i="1" dirty="0"/>
-              <a:t>Manage </a:t>
-            </a:r>
-            <a:r>
-              <a:rPr lang="fr-FR" sz="2000" i="1" dirty="0" err="1"/>
-              <a:t>Relationships</a:t>
+              <a:t> </a:t>
+            </a:r>
+            <a:r>
+              <a:rPr lang="fr-FR" sz="2000" dirty="0" smtClean="0"/>
+              <a:t>(</a:t>
+            </a:r>
+            <a:r>
+              <a:rPr lang="fr-FR" sz="2000" i="1" dirty="0" smtClean="0"/>
+              <a:t>Organiser les relations</a:t>
             </a:r>
             <a:r>
               <a:rPr lang="fr-FR" sz="2000" dirty="0"/>
@@ -4914,7 +4731,7 @@
 </p:sld>
 </file>
 
-<file path=ppt/slides/slide6.xml><?xml version="1.0" encoding="utf-8"?>
+<file path=ppt/slides/slide5.xml><?xml version="1.0" encoding="utf-8"?>
 <p:sld xmlns:a="http://schemas.openxmlformats.org/drawingml/2006/main" xmlns:r="http://schemas.openxmlformats.org/officeDocument/2006/relationships" xmlns:p="http://schemas.openxmlformats.org/presentationml/2006/main">
   <p:cSld>
     <p:spTree>
@@ -4940,7 +4757,7 @@
         <p:spPr>
           <a:xfrm>
             <a:off x="288758" y="275007"/>
-            <a:ext cx="2613023" cy="400110"/>
+            <a:ext cx="2870851" cy="400110"/>
           </a:xfrm>
           <a:prstGeom prst="rect">
             <a:avLst/>
@@ -4954,13 +4771,13 @@
           <a:lstStyle/>
           <a:p>
             <a:r>
-              <a:rPr lang="fr-FR" sz="2000" dirty="0" smtClean="0">
+              <a:rPr lang="fr-FR" sz="2000" b="1" dirty="0" smtClean="0">
                 <a:latin typeface="Segoe UI" panose="020B0502040204020203" pitchFamily="34" charset="0"/>
                 <a:cs typeface="Segoe UI" panose="020B0502040204020203" pitchFamily="34" charset="0"/>
               </a:rPr>
-              <a:t>Manage Relationship</a:t>
-            </a:r>
-            <a:endParaRPr lang="en-US" sz="2000" dirty="0">
+              <a:t>Organiser les relations</a:t>
+            </a:r>
+            <a:endParaRPr lang="en-US" sz="2000" b="1" dirty="0">
               <a:latin typeface="Segoe UI" panose="020B0502040204020203" pitchFamily="34" charset="0"/>
               <a:cs typeface="Segoe UI" panose="020B0502040204020203" pitchFamily="34" charset="0"/>
             </a:endParaRPr>
@@ -5396,7 +5213,7 @@
 </p:sld>
 </file>
 
-<file path=ppt/slides/slide7.xml><?xml version="1.0" encoding="utf-8"?>
+<file path=ppt/slides/slide6.xml><?xml version="1.0" encoding="utf-8"?>
 <p:sld xmlns:a="http://schemas.openxmlformats.org/drawingml/2006/main" xmlns:r="http://schemas.openxmlformats.org/officeDocument/2006/relationships" xmlns:p="http://schemas.openxmlformats.org/presentationml/2006/main">
   <p:cSld>
     <p:spTree>
@@ -5422,7 +5239,7 @@
         <p:spPr>
           <a:xfrm>
             <a:off x="288758" y="275007"/>
-            <a:ext cx="2613023" cy="400110"/>
+            <a:ext cx="2870851" cy="400110"/>
           </a:xfrm>
           <a:prstGeom prst="rect">
             <a:avLst/>
@@ -5436,13 +5253,13 @@
           <a:lstStyle/>
           <a:p>
             <a:r>
-              <a:rPr lang="fr-FR" sz="2000" dirty="0" smtClean="0">
+              <a:rPr lang="fr-FR" sz="2000" b="1" dirty="0" smtClean="0">
                 <a:latin typeface="Segoe UI" panose="020B0502040204020203" pitchFamily="34" charset="0"/>
                 <a:cs typeface="Segoe UI" panose="020B0502040204020203" pitchFamily="34" charset="0"/>
               </a:rPr>
-              <a:t>Manage Relationship</a:t>
-            </a:r>
-            <a:endParaRPr lang="en-US" sz="2000" dirty="0">
+              <a:t>Organiser les relations</a:t>
+            </a:r>
+            <a:endParaRPr lang="en-US" sz="2000" b="1" dirty="0">
               <a:latin typeface="Segoe UI" panose="020B0502040204020203" pitchFamily="34" charset="0"/>
               <a:cs typeface="Segoe UI" panose="020B0502040204020203" pitchFamily="34" charset="0"/>
             </a:endParaRPr>
@@ -5684,7 +5501,7 @@
 </p:sld>
 </file>
 
-<file path=ppt/slides/slide8.xml><?xml version="1.0" encoding="utf-8"?>
+<file path=ppt/slides/slide7.xml><?xml version="1.0" encoding="utf-8"?>
 <p:sld xmlns:a="http://schemas.openxmlformats.org/drawingml/2006/main" xmlns:r="http://schemas.openxmlformats.org/officeDocument/2006/relationships" xmlns:p="http://schemas.openxmlformats.org/presentationml/2006/main">
   <p:cSld>
     <p:bg>
